--- a/Решения ОУ/Решение ОУ.pptx
+++ b/Решения ОУ/Решение ОУ.pptx
@@ -7,7 +7,10 @@
   <p:sldIdLst>
     <p:sldId id="256" r:id="rId2"/>
     <p:sldId id="257" r:id="rId3"/>
-    <p:sldId id="258" r:id="rId4"/>
+    <p:sldId id="259" r:id="rId4"/>
+    <p:sldId id="260" r:id="rId5"/>
+    <p:sldId id="261" r:id="rId6"/>
+    <p:sldId id="262" r:id="rId7"/>
   </p:sldIdLst>
   <p:sldSz cx="12192000" cy="6858000"/>
   <p:notesSz cx="6858000" cy="9144000"/>
@@ -106,6 +109,11 @@
       </a:defRPr>
     </a:lvl9pPr>
   </p:defaultTextStyle>
+  <p:extLst>
+    <p:ext uri="{EFAFB233-063F-42B5-8137-9DF3F51BA10A}">
+      <p15:sldGuideLst xmlns:p15="http://schemas.microsoft.com/office/powerpoint/2012/main"/>
+    </p:ext>
+  </p:extLst>
 </p:presentation>
 </file>
 
@@ -3439,10 +3447,431 @@
           <a:chExt cx="0" cy="0"/>
         </a:xfrm>
       </p:grpSpPr>
+      <p:sp>
+        <p:nvSpPr>
+          <p:cNvPr id="2" name="Заголовок 1">
+            <a:extLst>
+              <a:ext uri="{FF2B5EF4-FFF2-40B4-BE49-F238E27FC236}">
+                <a16:creationId xmlns:a16="http://schemas.microsoft.com/office/drawing/2014/main" id="{6FE034EB-DC66-480D-92F4-99EB67B37D22}"/>
+              </a:ext>
+            </a:extLst>
+          </p:cNvPr>
+          <p:cNvSpPr>
+            <a:spLocks noGrp="1"/>
+          </p:cNvSpPr>
+          <p:nvPr>
+            <p:ph type="title"/>
+          </p:nvPr>
+        </p:nvSpPr>
+        <p:spPr/>
+        <p:txBody>
+          <a:bodyPr/>
+          <a:lstStyle/>
+          <a:p>
+            <a:pPr algn="ctr"/>
+            <a:r>
+              <a:rPr lang="ru-RU" dirty="0"/>
+              <a:t>Включить разделение итогов</a:t>
+            </a:r>
+          </a:p>
+        </p:txBody>
+      </p:sp>
+      <p:pic>
+        <p:nvPicPr>
+          <p:cNvPr id="4" name="Рисунок 3">
+            <a:extLst>
+              <a:ext uri="{FF2B5EF4-FFF2-40B4-BE49-F238E27FC236}">
+                <a16:creationId xmlns:a16="http://schemas.microsoft.com/office/drawing/2014/main" id="{C3507597-C7B4-4DD2-878B-8A038416CFC7}"/>
+              </a:ext>
+            </a:extLst>
+          </p:cNvPr>
+          <p:cNvPicPr>
+            <a:picLocks noChangeAspect="1"/>
+          </p:cNvPicPr>
+          <p:nvPr/>
+        </p:nvPicPr>
+        <p:blipFill>
+          <a:blip r:embed="rId2"/>
+          <a:stretch>
+            <a:fillRect/>
+          </a:stretch>
+        </p:blipFill>
+        <p:spPr>
+          <a:xfrm>
+            <a:off x="3271443" y="1948816"/>
+            <a:ext cx="5649113" cy="4544059"/>
+          </a:xfrm>
+          <a:prstGeom prst="rect">
+            <a:avLst/>
+          </a:prstGeom>
+        </p:spPr>
+      </p:pic>
     </p:spTree>
     <p:extLst>
       <p:ext uri="{BB962C8B-B14F-4D97-AF65-F5344CB8AC3E}">
-        <p14:creationId xmlns:p14="http://schemas.microsoft.com/office/powerpoint/2010/main" val="647158740"/>
+        <p14:creationId xmlns:p14="http://schemas.microsoft.com/office/powerpoint/2010/main" val="3859519296"/>
+      </p:ext>
+    </p:extLst>
+  </p:cSld>
+  <p:clrMapOvr>
+    <a:masterClrMapping/>
+  </p:clrMapOvr>
+</p:sld>
+</file>
+
+<file path=ppt/slides/slide4.xml><?xml version="1.0" encoding="utf-8"?>
+<p:sld xmlns:a="http://schemas.openxmlformats.org/drawingml/2006/main" xmlns:r="http://schemas.openxmlformats.org/officeDocument/2006/relationships" xmlns:p="http://schemas.openxmlformats.org/presentationml/2006/main">
+  <p:cSld>
+    <p:spTree>
+      <p:nvGrpSpPr>
+        <p:cNvPr id="1" name=""/>
+        <p:cNvGrpSpPr/>
+        <p:nvPr/>
+      </p:nvGrpSpPr>
+      <p:grpSpPr>
+        <a:xfrm>
+          <a:off x="0" y="0"/>
+          <a:ext cx="0" cy="0"/>
+          <a:chOff x="0" y="0"/>
+          <a:chExt cx="0" cy="0"/>
+        </a:xfrm>
+      </p:grpSpPr>
+      <p:pic>
+        <p:nvPicPr>
+          <p:cNvPr id="4" name="Объект 3">
+            <a:extLst>
+              <a:ext uri="{FF2B5EF4-FFF2-40B4-BE49-F238E27FC236}">
+                <a16:creationId xmlns:a16="http://schemas.microsoft.com/office/drawing/2014/main" id="{A66E376A-1CF0-4B00-94B5-B46CC8C3174F}"/>
+              </a:ext>
+            </a:extLst>
+          </p:cNvPr>
+          <p:cNvPicPr>
+            <a:picLocks noGrp="1" noChangeAspect="1"/>
+          </p:cNvPicPr>
+          <p:nvPr>
+            <p:ph idx="1"/>
+          </p:nvPr>
+        </p:nvPicPr>
+        <p:blipFill>
+          <a:blip r:embed="rId2"/>
+          <a:stretch>
+            <a:fillRect/>
+          </a:stretch>
+        </p:blipFill>
+        <p:spPr>
+          <a:xfrm>
+            <a:off x="9247422" y="2896254"/>
+            <a:ext cx="1667108" cy="933580"/>
+          </a:xfrm>
+          <a:prstGeom prst="rect">
+            <a:avLst/>
+          </a:prstGeom>
+        </p:spPr>
+      </p:pic>
+      <p:pic>
+        <p:nvPicPr>
+          <p:cNvPr id="5" name="Рисунок 4">
+            <a:extLst>
+              <a:ext uri="{FF2B5EF4-FFF2-40B4-BE49-F238E27FC236}">
+                <a16:creationId xmlns:a16="http://schemas.microsoft.com/office/drawing/2014/main" id="{D597F172-D8B9-4466-863A-ABF986717C61}"/>
+              </a:ext>
+            </a:extLst>
+          </p:cNvPr>
+          <p:cNvPicPr>
+            <a:picLocks noChangeAspect="1"/>
+          </p:cNvPicPr>
+          <p:nvPr/>
+        </p:nvPicPr>
+        <p:blipFill>
+          <a:blip r:embed="rId3"/>
+          <a:stretch>
+            <a:fillRect/>
+          </a:stretch>
+        </p:blipFill>
+        <p:spPr>
+          <a:xfrm>
+            <a:off x="927848" y="102152"/>
+            <a:ext cx="3832739" cy="3260892"/>
+          </a:xfrm>
+          <a:prstGeom prst="rect">
+            <a:avLst/>
+          </a:prstGeom>
+        </p:spPr>
+      </p:pic>
+      <p:pic>
+        <p:nvPicPr>
+          <p:cNvPr id="6" name="Рисунок 5">
+            <a:extLst>
+              <a:ext uri="{FF2B5EF4-FFF2-40B4-BE49-F238E27FC236}">
+                <a16:creationId xmlns:a16="http://schemas.microsoft.com/office/drawing/2014/main" id="{70FD9944-8A88-4827-8A0B-A3F8AEEC11F1}"/>
+              </a:ext>
+            </a:extLst>
+          </p:cNvPr>
+          <p:cNvPicPr>
+            <a:picLocks noChangeAspect="1"/>
+          </p:cNvPicPr>
+          <p:nvPr/>
+        </p:nvPicPr>
+        <p:blipFill>
+          <a:blip r:embed="rId4"/>
+          <a:stretch>
+            <a:fillRect/>
+          </a:stretch>
+        </p:blipFill>
+        <p:spPr>
+          <a:xfrm>
+            <a:off x="4745746" y="109293"/>
+            <a:ext cx="3847580" cy="3260892"/>
+          </a:xfrm>
+          <a:prstGeom prst="rect">
+            <a:avLst/>
+          </a:prstGeom>
+        </p:spPr>
+      </p:pic>
+      <p:pic>
+        <p:nvPicPr>
+          <p:cNvPr id="7" name="Рисунок 6">
+            <a:extLst>
+              <a:ext uri="{FF2B5EF4-FFF2-40B4-BE49-F238E27FC236}">
+                <a16:creationId xmlns:a16="http://schemas.microsoft.com/office/drawing/2014/main" id="{881B616E-6D7F-45D7-97BD-4FCB3ED9F789}"/>
+              </a:ext>
+            </a:extLst>
+          </p:cNvPr>
+          <p:cNvPicPr>
+            <a:picLocks noChangeAspect="1"/>
+          </p:cNvPicPr>
+          <p:nvPr/>
+        </p:nvPicPr>
+        <p:blipFill>
+          <a:blip r:embed="rId5"/>
+          <a:stretch>
+            <a:fillRect/>
+          </a:stretch>
+        </p:blipFill>
+        <p:spPr>
+          <a:xfrm>
+            <a:off x="927848" y="3365424"/>
+            <a:ext cx="3832740" cy="3260893"/>
+          </a:xfrm>
+          <a:prstGeom prst="rect">
+            <a:avLst/>
+          </a:prstGeom>
+        </p:spPr>
+      </p:pic>
+      <p:pic>
+        <p:nvPicPr>
+          <p:cNvPr id="10" name="Рисунок 9">
+            <a:extLst>
+              <a:ext uri="{FF2B5EF4-FFF2-40B4-BE49-F238E27FC236}">
+                <a16:creationId xmlns:a16="http://schemas.microsoft.com/office/drawing/2014/main" id="{0D854499-3647-49C8-BA04-23E7C554AC78}"/>
+              </a:ext>
+            </a:extLst>
+          </p:cNvPr>
+          <p:cNvPicPr>
+            <a:picLocks noChangeAspect="1"/>
+          </p:cNvPicPr>
+          <p:nvPr/>
+        </p:nvPicPr>
+        <p:blipFill>
+          <a:blip r:embed="rId6"/>
+          <a:stretch>
+            <a:fillRect/>
+          </a:stretch>
+        </p:blipFill>
+        <p:spPr>
+          <a:xfrm>
+            <a:off x="4760587" y="3370185"/>
+            <a:ext cx="3832739" cy="3256132"/>
+          </a:xfrm>
+          <a:prstGeom prst="rect">
+            <a:avLst/>
+          </a:prstGeom>
+        </p:spPr>
+      </p:pic>
+    </p:spTree>
+    <p:extLst>
+      <p:ext uri="{BB962C8B-B14F-4D97-AF65-F5344CB8AC3E}">
+        <p14:creationId xmlns:p14="http://schemas.microsoft.com/office/powerpoint/2010/main" val="1761194087"/>
+      </p:ext>
+    </p:extLst>
+  </p:cSld>
+  <p:clrMapOvr>
+    <a:masterClrMapping/>
+  </p:clrMapOvr>
+</p:sld>
+</file>
+
+<file path=ppt/slides/slide5.xml><?xml version="1.0" encoding="utf-8"?>
+<p:sld xmlns:a="http://schemas.openxmlformats.org/drawingml/2006/main" xmlns:r="http://schemas.openxmlformats.org/officeDocument/2006/relationships" xmlns:p="http://schemas.openxmlformats.org/presentationml/2006/main">
+  <p:cSld>
+    <p:spTree>
+      <p:nvGrpSpPr>
+        <p:cNvPr id="1" name=""/>
+        <p:cNvGrpSpPr/>
+        <p:nvPr/>
+      </p:nvGrpSpPr>
+      <p:grpSpPr>
+        <a:xfrm>
+          <a:off x="0" y="0"/>
+          <a:ext cx="0" cy="0"/>
+          <a:chOff x="0" y="0"/>
+          <a:chExt cx="0" cy="0"/>
+        </a:xfrm>
+      </p:grpSpPr>
+      <p:pic>
+        <p:nvPicPr>
+          <p:cNvPr id="4" name="Рисунок 3">
+            <a:extLst>
+              <a:ext uri="{FF2B5EF4-FFF2-40B4-BE49-F238E27FC236}">
+                <a16:creationId xmlns:a16="http://schemas.microsoft.com/office/drawing/2014/main" id="{374111FB-5505-43CF-AB48-605AB583E460}"/>
+              </a:ext>
+            </a:extLst>
+          </p:cNvPr>
+          <p:cNvPicPr>
+            <a:picLocks noChangeAspect="1"/>
+          </p:cNvPicPr>
+          <p:nvPr/>
+        </p:nvPicPr>
+        <p:blipFill>
+          <a:blip r:embed="rId2"/>
+          <a:stretch>
+            <a:fillRect/>
+          </a:stretch>
+        </p:blipFill>
+        <p:spPr>
+          <a:xfrm>
+            <a:off x="779486" y="2330371"/>
+            <a:ext cx="4061352" cy="2197255"/>
+          </a:xfrm>
+          <a:prstGeom prst="rect">
+            <a:avLst/>
+          </a:prstGeom>
+        </p:spPr>
+      </p:pic>
+      <p:pic>
+        <p:nvPicPr>
+          <p:cNvPr id="5" name="Рисунок 4">
+            <a:extLst>
+              <a:ext uri="{FF2B5EF4-FFF2-40B4-BE49-F238E27FC236}">
+                <a16:creationId xmlns:a16="http://schemas.microsoft.com/office/drawing/2014/main" id="{D2CDC1BF-2A40-437E-9D09-8C163C173B6E}"/>
+              </a:ext>
+            </a:extLst>
+          </p:cNvPr>
+          <p:cNvPicPr>
+            <a:picLocks noChangeAspect="1"/>
+          </p:cNvPicPr>
+          <p:nvPr/>
+        </p:nvPicPr>
+        <p:blipFill>
+          <a:blip r:embed="rId3"/>
+          <a:stretch>
+            <a:fillRect/>
+          </a:stretch>
+        </p:blipFill>
+        <p:spPr>
+          <a:xfrm>
+            <a:off x="5062393" y="2885998"/>
+            <a:ext cx="2067213" cy="1086002"/>
+          </a:xfrm>
+          <a:prstGeom prst="rect">
+            <a:avLst/>
+          </a:prstGeom>
+        </p:spPr>
+      </p:pic>
+      <p:pic>
+        <p:nvPicPr>
+          <p:cNvPr id="6" name="Рисунок 5">
+            <a:extLst>
+              <a:ext uri="{FF2B5EF4-FFF2-40B4-BE49-F238E27FC236}">
+                <a16:creationId xmlns:a16="http://schemas.microsoft.com/office/drawing/2014/main" id="{059C8021-FFF7-4E51-86B8-117C2C2D7A8E}"/>
+              </a:ext>
+            </a:extLst>
+          </p:cNvPr>
+          <p:cNvPicPr/>
+          <p:nvPr/>
+        </p:nvPicPr>
+        <p:blipFill>
+          <a:blip r:embed="rId4"/>
+          <a:stretch>
+            <a:fillRect/>
+          </a:stretch>
+        </p:blipFill>
+        <p:spPr>
+          <a:xfrm>
+            <a:off x="7351161" y="509697"/>
+            <a:ext cx="3470493" cy="5838605"/>
+          </a:xfrm>
+          <a:prstGeom prst="rect">
+            <a:avLst/>
+          </a:prstGeom>
+        </p:spPr>
+      </p:pic>
+    </p:spTree>
+    <p:extLst>
+      <p:ext uri="{BB962C8B-B14F-4D97-AF65-F5344CB8AC3E}">
+        <p14:creationId xmlns:p14="http://schemas.microsoft.com/office/powerpoint/2010/main" val="458561118"/>
+      </p:ext>
+    </p:extLst>
+  </p:cSld>
+  <p:clrMapOvr>
+    <a:masterClrMapping/>
+  </p:clrMapOvr>
+</p:sld>
+</file>
+
+<file path=ppt/slides/slide6.xml><?xml version="1.0" encoding="utf-8"?>
+<p:sld xmlns:a="http://schemas.openxmlformats.org/drawingml/2006/main" xmlns:r="http://schemas.openxmlformats.org/officeDocument/2006/relationships" xmlns:p="http://schemas.openxmlformats.org/presentationml/2006/main">
+  <p:cSld>
+    <p:spTree>
+      <p:nvGrpSpPr>
+        <p:cNvPr id="1" name=""/>
+        <p:cNvGrpSpPr/>
+        <p:nvPr/>
+      </p:nvGrpSpPr>
+      <p:grpSpPr>
+        <a:xfrm>
+          <a:off x="0" y="0"/>
+          <a:ext cx="0" cy="0"/>
+          <a:chOff x="0" y="0"/>
+          <a:chExt cx="0" cy="0"/>
+        </a:xfrm>
+      </p:grpSpPr>
+      <p:pic>
+        <p:nvPicPr>
+          <p:cNvPr id="4" name="Объект 3">
+            <a:extLst>
+              <a:ext uri="{FF2B5EF4-FFF2-40B4-BE49-F238E27FC236}">
+                <a16:creationId xmlns:a16="http://schemas.microsoft.com/office/drawing/2014/main" id="{FC229A70-B5B4-455A-B7E8-96376CAADCF6}"/>
+              </a:ext>
+            </a:extLst>
+          </p:cNvPr>
+          <p:cNvPicPr>
+            <a:picLocks noGrp="1" noChangeAspect="1"/>
+          </p:cNvPicPr>
+          <p:nvPr>
+            <p:ph idx="1"/>
+          </p:nvPr>
+        </p:nvPicPr>
+        <p:blipFill>
+          <a:blip r:embed="rId2"/>
+          <a:stretch>
+            <a:fillRect/>
+          </a:stretch>
+        </p:blipFill>
+        <p:spPr>
+          <a:xfrm>
+            <a:off x="2575662" y="456714"/>
+            <a:ext cx="7040675" cy="5944571"/>
+          </a:xfrm>
+          <a:prstGeom prst="rect">
+            <a:avLst/>
+          </a:prstGeom>
+        </p:spPr>
+      </p:pic>
+    </p:spTree>
+    <p:extLst>
+      <p:ext uri="{BB962C8B-B14F-4D97-AF65-F5344CB8AC3E}">
+        <p14:creationId xmlns:p14="http://schemas.microsoft.com/office/powerpoint/2010/main" val="4160675386"/>
       </p:ext>
     </p:extLst>
   </p:cSld>

--- a/Решения ОУ/Решение ОУ.pptx
+++ b/Решения ОУ/Решение ОУ.pptx
@@ -5,7 +5,7 @@
     <p:sldMasterId id="2147483648" r:id="rId1"/>
   </p:sldMasterIdLst>
   <p:notesMasterIdLst>
-    <p:notesMasterId r:id="rId49"/>
+    <p:notesMasterId r:id="rId57"/>
   </p:notesMasterIdLst>
   <p:sldIdLst>
     <p:sldId id="256" r:id="rId2"/>
@@ -51,10 +51,18 @@
     <p:sldId id="299" r:id="rId42"/>
     <p:sldId id="296" r:id="rId43"/>
     <p:sldId id="298" r:id="rId44"/>
-    <p:sldId id="300" r:id="rId45"/>
-    <p:sldId id="301" r:id="rId46"/>
-    <p:sldId id="302" r:id="rId47"/>
-    <p:sldId id="303" r:id="rId48"/>
+    <p:sldId id="304" r:id="rId45"/>
+    <p:sldId id="305" r:id="rId46"/>
+    <p:sldId id="306" r:id="rId47"/>
+    <p:sldId id="307" r:id="rId48"/>
+    <p:sldId id="308" r:id="rId49"/>
+    <p:sldId id="309" r:id="rId50"/>
+    <p:sldId id="310" r:id="rId51"/>
+    <p:sldId id="311" r:id="rId52"/>
+    <p:sldId id="300" r:id="rId53"/>
+    <p:sldId id="301" r:id="rId54"/>
+    <p:sldId id="302" r:id="rId55"/>
+    <p:sldId id="303" r:id="rId56"/>
   </p:sldIdLst>
   <p:sldSz cx="12192000" cy="6858000"/>
   <p:notesSz cx="6858000" cy="9144000"/>
@@ -13076,6 +13084,748 @@
           <p:cNvPr id="2" name="Заголовок 1">
             <a:extLst>
               <a:ext uri="{FF2B5EF4-FFF2-40B4-BE49-F238E27FC236}">
+                <a16:creationId xmlns:a16="http://schemas.microsoft.com/office/drawing/2014/main" id="{47B49EB8-080C-4EA7-95CC-75860E0AE7E0}"/>
+              </a:ext>
+            </a:extLst>
+          </p:cNvPr>
+          <p:cNvSpPr>
+            <a:spLocks noGrp="1"/>
+          </p:cNvSpPr>
+          <p:nvPr>
+            <p:ph type="title"/>
+          </p:nvPr>
+        </p:nvSpPr>
+        <p:spPr/>
+        <p:txBody>
+          <a:bodyPr/>
+          <a:lstStyle/>
+          <a:p>
+            <a:r>
+              <a:rPr lang="ru-RU" dirty="0"/>
+              <a:t>Отчет</a:t>
+            </a:r>
+          </a:p>
+        </p:txBody>
+      </p:sp>
+      <p:pic>
+        <p:nvPicPr>
+          <p:cNvPr id="4" name="Рисунок 3">
+            <a:extLst>
+              <a:ext uri="{FF2B5EF4-FFF2-40B4-BE49-F238E27FC236}">
+                <a16:creationId xmlns:a16="http://schemas.microsoft.com/office/drawing/2014/main" id="{52D6A387-BF78-4009-9BF5-3638FCD712BA}"/>
+              </a:ext>
+            </a:extLst>
+          </p:cNvPr>
+          <p:cNvPicPr>
+            <a:picLocks noChangeAspect="1"/>
+          </p:cNvPicPr>
+          <p:nvPr/>
+        </p:nvPicPr>
+        <p:blipFill>
+          <a:blip r:embed="rId2"/>
+          <a:stretch>
+            <a:fillRect/>
+          </a:stretch>
+        </p:blipFill>
+        <p:spPr>
+          <a:xfrm>
+            <a:off x="2790363" y="1776182"/>
+            <a:ext cx="6611273" cy="3305636"/>
+          </a:xfrm>
+          <a:prstGeom prst="rect">
+            <a:avLst/>
+          </a:prstGeom>
+        </p:spPr>
+      </p:pic>
+    </p:spTree>
+    <p:extLst>
+      <p:ext uri="{BB962C8B-B14F-4D97-AF65-F5344CB8AC3E}">
+        <p14:creationId xmlns:p14="http://schemas.microsoft.com/office/powerpoint/2010/main" val="3259785505"/>
+      </p:ext>
+    </p:extLst>
+  </p:cSld>
+  <p:clrMapOvr>
+    <a:masterClrMapping/>
+  </p:clrMapOvr>
+</p:sld>
+</file>
+
+<file path=ppt/slides/slide45.xml><?xml version="1.0" encoding="utf-8"?>
+<p:sld xmlns:a="http://schemas.openxmlformats.org/drawingml/2006/main" xmlns:r="http://schemas.openxmlformats.org/officeDocument/2006/relationships" xmlns:p="http://schemas.openxmlformats.org/presentationml/2006/main">
+  <p:cSld>
+    <p:spTree>
+      <p:nvGrpSpPr>
+        <p:cNvPr id="1" name=""/>
+        <p:cNvGrpSpPr/>
+        <p:nvPr/>
+      </p:nvGrpSpPr>
+      <p:grpSpPr>
+        <a:xfrm>
+          <a:off x="0" y="0"/>
+          <a:ext cx="0" cy="0"/>
+          <a:chOff x="0" y="0"/>
+          <a:chExt cx="0" cy="0"/>
+        </a:xfrm>
+      </p:grpSpPr>
+      <p:pic>
+        <p:nvPicPr>
+          <p:cNvPr id="4" name="Рисунок 3">
+            <a:extLst>
+              <a:ext uri="{FF2B5EF4-FFF2-40B4-BE49-F238E27FC236}">
+                <a16:creationId xmlns:a16="http://schemas.microsoft.com/office/drawing/2014/main" id="{D0DF788E-C184-4DD4-AA36-AF343CF73FDC}"/>
+              </a:ext>
+            </a:extLst>
+          </p:cNvPr>
+          <p:cNvPicPr/>
+          <p:nvPr/>
+        </p:nvPicPr>
+        <p:blipFill>
+          <a:blip r:embed="rId2"/>
+          <a:stretch>
+            <a:fillRect/>
+          </a:stretch>
+        </p:blipFill>
+        <p:spPr>
+          <a:xfrm>
+            <a:off x="850005" y="1304925"/>
+            <a:ext cx="4839335" cy="4248150"/>
+          </a:xfrm>
+          <a:prstGeom prst="rect">
+            <a:avLst/>
+          </a:prstGeom>
+        </p:spPr>
+      </p:pic>
+      <p:pic>
+        <p:nvPicPr>
+          <p:cNvPr id="5" name="Рисунок 4">
+            <a:extLst>
+              <a:ext uri="{FF2B5EF4-FFF2-40B4-BE49-F238E27FC236}">
+                <a16:creationId xmlns:a16="http://schemas.microsoft.com/office/drawing/2014/main" id="{F795FA27-8090-4ABF-963F-C4FDCF882B94}"/>
+              </a:ext>
+            </a:extLst>
+          </p:cNvPr>
+          <p:cNvPicPr/>
+          <p:nvPr/>
+        </p:nvPicPr>
+        <p:blipFill>
+          <a:blip r:embed="rId3"/>
+          <a:stretch>
+            <a:fillRect/>
+          </a:stretch>
+        </p:blipFill>
+        <p:spPr>
+          <a:xfrm>
+            <a:off x="5887460" y="1111250"/>
+            <a:ext cx="5940425" cy="4635500"/>
+          </a:xfrm>
+          <a:prstGeom prst="rect">
+            <a:avLst/>
+          </a:prstGeom>
+        </p:spPr>
+      </p:pic>
+    </p:spTree>
+    <p:extLst>
+      <p:ext uri="{BB962C8B-B14F-4D97-AF65-F5344CB8AC3E}">
+        <p14:creationId xmlns:p14="http://schemas.microsoft.com/office/powerpoint/2010/main" val="3931920642"/>
+      </p:ext>
+    </p:extLst>
+  </p:cSld>
+  <p:clrMapOvr>
+    <a:masterClrMapping/>
+  </p:clrMapOvr>
+</p:sld>
+</file>
+
+<file path=ppt/slides/slide46.xml><?xml version="1.0" encoding="utf-8"?>
+<p:sld xmlns:a="http://schemas.openxmlformats.org/drawingml/2006/main" xmlns:r="http://schemas.openxmlformats.org/officeDocument/2006/relationships" xmlns:p="http://schemas.openxmlformats.org/presentationml/2006/main">
+  <p:cSld>
+    <p:spTree>
+      <p:nvGrpSpPr>
+        <p:cNvPr id="1" name=""/>
+        <p:cNvGrpSpPr/>
+        <p:nvPr/>
+      </p:nvGrpSpPr>
+      <p:grpSpPr>
+        <a:xfrm>
+          <a:off x="0" y="0"/>
+          <a:ext cx="0" cy="0"/>
+          <a:chOff x="0" y="0"/>
+          <a:chExt cx="0" cy="0"/>
+        </a:xfrm>
+      </p:grpSpPr>
+      <p:pic>
+        <p:nvPicPr>
+          <p:cNvPr id="5" name="Рисунок 4">
+            <a:extLst>
+              <a:ext uri="{FF2B5EF4-FFF2-40B4-BE49-F238E27FC236}">
+                <a16:creationId xmlns:a16="http://schemas.microsoft.com/office/drawing/2014/main" id="{A31D2733-F624-4124-B73A-CDA797F6CA16}"/>
+              </a:ext>
+            </a:extLst>
+          </p:cNvPr>
+          <p:cNvPicPr>
+            <a:picLocks noChangeAspect="1"/>
+          </p:cNvPicPr>
+          <p:nvPr/>
+        </p:nvPicPr>
+        <p:blipFill>
+          <a:blip r:embed="rId2"/>
+          <a:stretch>
+            <a:fillRect/>
+          </a:stretch>
+        </p:blipFill>
+        <p:spPr>
+          <a:xfrm>
+            <a:off x="2966600" y="576823"/>
+            <a:ext cx="6258798" cy="2305372"/>
+          </a:xfrm>
+          <a:prstGeom prst="rect">
+            <a:avLst/>
+          </a:prstGeom>
+        </p:spPr>
+      </p:pic>
+      <p:pic>
+        <p:nvPicPr>
+          <p:cNvPr id="6" name="Рисунок 5">
+            <a:extLst>
+              <a:ext uri="{FF2B5EF4-FFF2-40B4-BE49-F238E27FC236}">
+                <a16:creationId xmlns:a16="http://schemas.microsoft.com/office/drawing/2014/main" id="{610A6D95-8C71-4A70-A301-D66FBE848A64}"/>
+              </a:ext>
+            </a:extLst>
+          </p:cNvPr>
+          <p:cNvPicPr/>
+          <p:nvPr/>
+        </p:nvPicPr>
+        <p:blipFill>
+          <a:blip r:embed="rId3"/>
+          <a:stretch>
+            <a:fillRect/>
+          </a:stretch>
+        </p:blipFill>
+        <p:spPr>
+          <a:xfrm>
+            <a:off x="1398702" y="2995700"/>
+            <a:ext cx="9394595" cy="1779500"/>
+          </a:xfrm>
+          <a:prstGeom prst="rect">
+            <a:avLst/>
+          </a:prstGeom>
+        </p:spPr>
+      </p:pic>
+    </p:spTree>
+    <p:extLst>
+      <p:ext uri="{BB962C8B-B14F-4D97-AF65-F5344CB8AC3E}">
+        <p14:creationId xmlns:p14="http://schemas.microsoft.com/office/powerpoint/2010/main" val="884567848"/>
+      </p:ext>
+    </p:extLst>
+  </p:cSld>
+  <p:clrMapOvr>
+    <a:masterClrMapping/>
+  </p:clrMapOvr>
+</p:sld>
+</file>
+
+<file path=ppt/slides/slide47.xml><?xml version="1.0" encoding="utf-8"?>
+<p:sld xmlns:a="http://schemas.openxmlformats.org/drawingml/2006/main" xmlns:r="http://schemas.openxmlformats.org/officeDocument/2006/relationships" xmlns:p="http://schemas.openxmlformats.org/presentationml/2006/main">
+  <p:cSld>
+    <p:spTree>
+      <p:nvGrpSpPr>
+        <p:cNvPr id="1" name=""/>
+        <p:cNvGrpSpPr/>
+        <p:nvPr/>
+      </p:nvGrpSpPr>
+      <p:grpSpPr>
+        <a:xfrm>
+          <a:off x="0" y="0"/>
+          <a:ext cx="0" cy="0"/>
+          <a:chOff x="0" y="0"/>
+          <a:chExt cx="0" cy="0"/>
+        </a:xfrm>
+      </p:grpSpPr>
+      <p:pic>
+        <p:nvPicPr>
+          <p:cNvPr id="4" name="Рисунок 3">
+            <a:extLst>
+              <a:ext uri="{FF2B5EF4-FFF2-40B4-BE49-F238E27FC236}">
+                <a16:creationId xmlns:a16="http://schemas.microsoft.com/office/drawing/2014/main" id="{0C9D3847-082D-4EB4-9D81-F114FEB68F4E}"/>
+              </a:ext>
+            </a:extLst>
+          </p:cNvPr>
+          <p:cNvPicPr/>
+          <p:nvPr/>
+        </p:nvPicPr>
+        <p:blipFill>
+          <a:blip r:embed="rId2"/>
+          <a:stretch>
+            <a:fillRect/>
+          </a:stretch>
+        </p:blipFill>
+        <p:spPr>
+          <a:xfrm>
+            <a:off x="3238182" y="1747837"/>
+            <a:ext cx="5715635" cy="3362325"/>
+          </a:xfrm>
+          <a:prstGeom prst="rect">
+            <a:avLst/>
+          </a:prstGeom>
+        </p:spPr>
+      </p:pic>
+    </p:spTree>
+    <p:extLst>
+      <p:ext uri="{BB962C8B-B14F-4D97-AF65-F5344CB8AC3E}">
+        <p14:creationId xmlns:p14="http://schemas.microsoft.com/office/powerpoint/2010/main" val="1171030608"/>
+      </p:ext>
+    </p:extLst>
+  </p:cSld>
+  <p:clrMapOvr>
+    <a:masterClrMapping/>
+  </p:clrMapOvr>
+</p:sld>
+</file>
+
+<file path=ppt/slides/slide48.xml><?xml version="1.0" encoding="utf-8"?>
+<p:sld xmlns:a="http://schemas.openxmlformats.org/drawingml/2006/main" xmlns:r="http://schemas.openxmlformats.org/officeDocument/2006/relationships" xmlns:p="http://schemas.openxmlformats.org/presentationml/2006/main">
+  <p:cSld>
+    <p:spTree>
+      <p:nvGrpSpPr>
+        <p:cNvPr id="1" name=""/>
+        <p:cNvGrpSpPr/>
+        <p:nvPr/>
+      </p:nvGrpSpPr>
+      <p:grpSpPr>
+        <a:xfrm>
+          <a:off x="0" y="0"/>
+          <a:ext cx="0" cy="0"/>
+          <a:chOff x="0" y="0"/>
+          <a:chExt cx="0" cy="0"/>
+        </a:xfrm>
+      </p:grpSpPr>
+      <p:pic>
+        <p:nvPicPr>
+          <p:cNvPr id="4" name="Рисунок 3">
+            <a:extLst>
+              <a:ext uri="{FF2B5EF4-FFF2-40B4-BE49-F238E27FC236}">
+                <a16:creationId xmlns:a16="http://schemas.microsoft.com/office/drawing/2014/main" id="{B8208AEC-705B-4F43-B3AC-E3402431D190}"/>
+              </a:ext>
+            </a:extLst>
+          </p:cNvPr>
+          <p:cNvPicPr>
+            <a:picLocks noChangeAspect="1"/>
+          </p:cNvPicPr>
+          <p:nvPr/>
+        </p:nvPicPr>
+        <p:blipFill>
+          <a:blip r:embed="rId2"/>
+          <a:stretch>
+            <a:fillRect/>
+          </a:stretch>
+        </p:blipFill>
+        <p:spPr>
+          <a:xfrm>
+            <a:off x="2013968" y="1642813"/>
+            <a:ext cx="8164064" cy="3572374"/>
+          </a:xfrm>
+          <a:prstGeom prst="rect">
+            <a:avLst/>
+          </a:prstGeom>
+        </p:spPr>
+      </p:pic>
+    </p:spTree>
+    <p:extLst>
+      <p:ext uri="{BB962C8B-B14F-4D97-AF65-F5344CB8AC3E}">
+        <p14:creationId xmlns:p14="http://schemas.microsoft.com/office/powerpoint/2010/main" val="542957293"/>
+      </p:ext>
+    </p:extLst>
+  </p:cSld>
+  <p:clrMapOvr>
+    <a:masterClrMapping/>
+  </p:clrMapOvr>
+</p:sld>
+</file>
+
+<file path=ppt/slides/slide49.xml><?xml version="1.0" encoding="utf-8"?>
+<p:sld xmlns:a="http://schemas.openxmlformats.org/drawingml/2006/main" xmlns:r="http://schemas.openxmlformats.org/officeDocument/2006/relationships" xmlns:p="http://schemas.openxmlformats.org/presentationml/2006/main">
+  <p:cSld>
+    <p:spTree>
+      <p:nvGrpSpPr>
+        <p:cNvPr id="1" name=""/>
+        <p:cNvGrpSpPr/>
+        <p:nvPr/>
+      </p:nvGrpSpPr>
+      <p:grpSpPr>
+        <a:xfrm>
+          <a:off x="0" y="0"/>
+          <a:ext cx="0" cy="0"/>
+          <a:chOff x="0" y="0"/>
+          <a:chExt cx="0" cy="0"/>
+        </a:xfrm>
+      </p:grpSpPr>
+      <p:pic>
+        <p:nvPicPr>
+          <p:cNvPr id="4" name="Объект 3">
+            <a:extLst>
+              <a:ext uri="{FF2B5EF4-FFF2-40B4-BE49-F238E27FC236}">
+                <a16:creationId xmlns:a16="http://schemas.microsoft.com/office/drawing/2014/main" id="{678AB741-BF7A-4671-89CD-630DF88C14BB}"/>
+              </a:ext>
+            </a:extLst>
+          </p:cNvPr>
+          <p:cNvPicPr>
+            <a:picLocks noGrp="1" noChangeAspect="1"/>
+          </p:cNvPicPr>
+          <p:nvPr>
+            <p:ph idx="1"/>
+          </p:nvPr>
+        </p:nvPicPr>
+        <p:blipFill>
+          <a:blip r:embed="rId2"/>
+          <a:stretch>
+            <a:fillRect/>
+          </a:stretch>
+        </p:blipFill>
+        <p:spPr>
+          <a:xfrm>
+            <a:off x="3155551" y="430934"/>
+            <a:ext cx="5880898" cy="4351338"/>
+          </a:xfrm>
+          <a:prstGeom prst="rect">
+            <a:avLst/>
+          </a:prstGeom>
+        </p:spPr>
+      </p:pic>
+      <p:pic>
+        <p:nvPicPr>
+          <p:cNvPr id="5" name="Рисунок 4">
+            <a:extLst>
+              <a:ext uri="{FF2B5EF4-FFF2-40B4-BE49-F238E27FC236}">
+                <a16:creationId xmlns:a16="http://schemas.microsoft.com/office/drawing/2014/main" id="{631A8289-5ABC-4E87-A740-7E3D4AFDF0D1}"/>
+              </a:ext>
+            </a:extLst>
+          </p:cNvPr>
+          <p:cNvPicPr>
+            <a:picLocks noChangeAspect="1"/>
+          </p:cNvPicPr>
+          <p:nvPr/>
+        </p:nvPicPr>
+        <p:blipFill>
+          <a:blip r:embed="rId3"/>
+          <a:stretch>
+            <a:fillRect/>
+          </a:stretch>
+        </p:blipFill>
+        <p:spPr>
+          <a:xfrm>
+            <a:off x="2909443" y="4949020"/>
+            <a:ext cx="6373114" cy="1171739"/>
+          </a:xfrm>
+          <a:prstGeom prst="rect">
+            <a:avLst/>
+          </a:prstGeom>
+        </p:spPr>
+      </p:pic>
+    </p:spTree>
+    <p:extLst>
+      <p:ext uri="{BB962C8B-B14F-4D97-AF65-F5344CB8AC3E}">
+        <p14:creationId xmlns:p14="http://schemas.microsoft.com/office/powerpoint/2010/main" val="2458018810"/>
+      </p:ext>
+    </p:extLst>
+  </p:cSld>
+  <p:clrMapOvr>
+    <a:masterClrMapping/>
+  </p:clrMapOvr>
+</p:sld>
+</file>
+
+<file path=ppt/slides/slide5.xml><?xml version="1.0" encoding="utf-8"?>
+<p:sld xmlns:a="http://schemas.openxmlformats.org/drawingml/2006/main" xmlns:r="http://schemas.openxmlformats.org/officeDocument/2006/relationships" xmlns:p="http://schemas.openxmlformats.org/presentationml/2006/main">
+  <p:cSld>
+    <p:spTree>
+      <p:nvGrpSpPr>
+        <p:cNvPr id="1" name=""/>
+        <p:cNvGrpSpPr/>
+        <p:nvPr/>
+      </p:nvGrpSpPr>
+      <p:grpSpPr>
+        <a:xfrm>
+          <a:off x="0" y="0"/>
+          <a:ext cx="0" cy="0"/>
+          <a:chOff x="0" y="0"/>
+          <a:chExt cx="0" cy="0"/>
+        </a:xfrm>
+      </p:grpSpPr>
+      <p:pic>
+        <p:nvPicPr>
+          <p:cNvPr id="4" name="Рисунок 3">
+            <a:extLst>
+              <a:ext uri="{FF2B5EF4-FFF2-40B4-BE49-F238E27FC236}">
+                <a16:creationId xmlns:a16="http://schemas.microsoft.com/office/drawing/2014/main" id="{374111FB-5505-43CF-AB48-605AB583E460}"/>
+              </a:ext>
+            </a:extLst>
+          </p:cNvPr>
+          <p:cNvPicPr>
+            <a:picLocks noChangeAspect="1"/>
+          </p:cNvPicPr>
+          <p:nvPr/>
+        </p:nvPicPr>
+        <p:blipFill>
+          <a:blip r:embed="rId2"/>
+          <a:stretch>
+            <a:fillRect/>
+          </a:stretch>
+        </p:blipFill>
+        <p:spPr>
+          <a:xfrm>
+            <a:off x="779486" y="2330371"/>
+            <a:ext cx="4061352" cy="2197255"/>
+          </a:xfrm>
+          <a:prstGeom prst="rect">
+            <a:avLst/>
+          </a:prstGeom>
+        </p:spPr>
+      </p:pic>
+      <p:pic>
+        <p:nvPicPr>
+          <p:cNvPr id="5" name="Рисунок 4">
+            <a:extLst>
+              <a:ext uri="{FF2B5EF4-FFF2-40B4-BE49-F238E27FC236}">
+                <a16:creationId xmlns:a16="http://schemas.microsoft.com/office/drawing/2014/main" id="{D2CDC1BF-2A40-437E-9D09-8C163C173B6E}"/>
+              </a:ext>
+            </a:extLst>
+          </p:cNvPr>
+          <p:cNvPicPr>
+            <a:picLocks noChangeAspect="1"/>
+          </p:cNvPicPr>
+          <p:nvPr/>
+        </p:nvPicPr>
+        <p:blipFill>
+          <a:blip r:embed="rId3"/>
+          <a:stretch>
+            <a:fillRect/>
+          </a:stretch>
+        </p:blipFill>
+        <p:spPr>
+          <a:xfrm>
+            <a:off x="5062393" y="2885998"/>
+            <a:ext cx="2067213" cy="1086002"/>
+          </a:xfrm>
+          <a:prstGeom prst="rect">
+            <a:avLst/>
+          </a:prstGeom>
+        </p:spPr>
+      </p:pic>
+      <p:pic>
+        <p:nvPicPr>
+          <p:cNvPr id="6" name="Рисунок 5">
+            <a:extLst>
+              <a:ext uri="{FF2B5EF4-FFF2-40B4-BE49-F238E27FC236}">
+                <a16:creationId xmlns:a16="http://schemas.microsoft.com/office/drawing/2014/main" id="{059C8021-FFF7-4E51-86B8-117C2C2D7A8E}"/>
+              </a:ext>
+            </a:extLst>
+          </p:cNvPr>
+          <p:cNvPicPr/>
+          <p:nvPr/>
+        </p:nvPicPr>
+        <p:blipFill>
+          <a:blip r:embed="rId4"/>
+          <a:stretch>
+            <a:fillRect/>
+          </a:stretch>
+        </p:blipFill>
+        <p:spPr>
+          <a:xfrm>
+            <a:off x="7351161" y="509697"/>
+            <a:ext cx="3470493" cy="5838605"/>
+          </a:xfrm>
+          <a:prstGeom prst="rect">
+            <a:avLst/>
+          </a:prstGeom>
+        </p:spPr>
+      </p:pic>
+    </p:spTree>
+    <p:extLst>
+      <p:ext uri="{BB962C8B-B14F-4D97-AF65-F5344CB8AC3E}">
+        <p14:creationId xmlns:p14="http://schemas.microsoft.com/office/powerpoint/2010/main" val="458561118"/>
+      </p:ext>
+    </p:extLst>
+  </p:cSld>
+  <p:clrMapOvr>
+    <a:masterClrMapping/>
+  </p:clrMapOvr>
+</p:sld>
+</file>
+
+<file path=ppt/slides/slide50.xml><?xml version="1.0" encoding="utf-8"?>
+<p:sld xmlns:a="http://schemas.openxmlformats.org/drawingml/2006/main" xmlns:r="http://schemas.openxmlformats.org/officeDocument/2006/relationships" xmlns:p="http://schemas.openxmlformats.org/presentationml/2006/main">
+  <p:cSld>
+    <p:spTree>
+      <p:nvGrpSpPr>
+        <p:cNvPr id="1" name=""/>
+        <p:cNvGrpSpPr/>
+        <p:nvPr/>
+      </p:nvGrpSpPr>
+      <p:grpSpPr>
+        <a:xfrm>
+          <a:off x="0" y="0"/>
+          <a:ext cx="0" cy="0"/>
+          <a:chOff x="0" y="0"/>
+          <a:chExt cx="0" cy="0"/>
+        </a:xfrm>
+      </p:grpSpPr>
+      <p:pic>
+        <p:nvPicPr>
+          <p:cNvPr id="4" name="Рисунок 3">
+            <a:extLst>
+              <a:ext uri="{FF2B5EF4-FFF2-40B4-BE49-F238E27FC236}">
+                <a16:creationId xmlns:a16="http://schemas.microsoft.com/office/drawing/2014/main" id="{8EF7390D-041D-4332-BEA0-D7043334E567}"/>
+              </a:ext>
+            </a:extLst>
+          </p:cNvPr>
+          <p:cNvPicPr>
+            <a:picLocks noChangeAspect="1"/>
+          </p:cNvPicPr>
+          <p:nvPr/>
+        </p:nvPicPr>
+        <p:blipFill>
+          <a:blip r:embed="rId2"/>
+          <a:stretch>
+            <a:fillRect/>
+          </a:stretch>
+        </p:blipFill>
+        <p:spPr>
+          <a:xfrm>
+            <a:off x="2928495" y="1364057"/>
+            <a:ext cx="6363588" cy="924054"/>
+          </a:xfrm>
+          <a:prstGeom prst="rect">
+            <a:avLst/>
+          </a:prstGeom>
+        </p:spPr>
+      </p:pic>
+      <p:pic>
+        <p:nvPicPr>
+          <p:cNvPr id="5" name="Рисунок 4">
+            <a:extLst>
+              <a:ext uri="{FF2B5EF4-FFF2-40B4-BE49-F238E27FC236}">
+                <a16:creationId xmlns:a16="http://schemas.microsoft.com/office/drawing/2014/main" id="{F91AB514-D94D-46C5-B6A7-1BF1324E1B71}"/>
+              </a:ext>
+            </a:extLst>
+          </p:cNvPr>
+          <p:cNvPicPr>
+            <a:picLocks noChangeAspect="1"/>
+          </p:cNvPicPr>
+          <p:nvPr/>
+        </p:nvPicPr>
+        <p:blipFill>
+          <a:blip r:embed="rId3"/>
+          <a:stretch>
+            <a:fillRect/>
+          </a:stretch>
+        </p:blipFill>
+        <p:spPr>
+          <a:xfrm>
+            <a:off x="2928495" y="2821092"/>
+            <a:ext cx="6335009" cy="2619741"/>
+          </a:xfrm>
+          <a:prstGeom prst="rect">
+            <a:avLst/>
+          </a:prstGeom>
+        </p:spPr>
+      </p:pic>
+    </p:spTree>
+    <p:extLst>
+      <p:ext uri="{BB962C8B-B14F-4D97-AF65-F5344CB8AC3E}">
+        <p14:creationId xmlns:p14="http://schemas.microsoft.com/office/powerpoint/2010/main" val="3759657260"/>
+      </p:ext>
+    </p:extLst>
+  </p:cSld>
+  <p:clrMapOvr>
+    <a:masterClrMapping/>
+  </p:clrMapOvr>
+</p:sld>
+</file>
+
+<file path=ppt/slides/slide51.xml><?xml version="1.0" encoding="utf-8"?>
+<p:sld xmlns:a="http://schemas.openxmlformats.org/drawingml/2006/main" xmlns:r="http://schemas.openxmlformats.org/officeDocument/2006/relationships" xmlns:p="http://schemas.openxmlformats.org/presentationml/2006/main">
+  <p:cSld>
+    <p:spTree>
+      <p:nvGrpSpPr>
+        <p:cNvPr id="1" name=""/>
+        <p:cNvGrpSpPr/>
+        <p:nvPr/>
+      </p:nvGrpSpPr>
+      <p:grpSpPr>
+        <a:xfrm>
+          <a:off x="0" y="0"/>
+          <a:ext cx="0" cy="0"/>
+          <a:chOff x="0" y="0"/>
+          <a:chExt cx="0" cy="0"/>
+        </a:xfrm>
+      </p:grpSpPr>
+      <p:pic>
+        <p:nvPicPr>
+          <p:cNvPr id="4" name="Объект 3">
+            <a:extLst>
+              <a:ext uri="{FF2B5EF4-FFF2-40B4-BE49-F238E27FC236}">
+                <a16:creationId xmlns:a16="http://schemas.microsoft.com/office/drawing/2014/main" id="{9E39C2DE-F70D-4F9D-9A3C-9E53AEFCB806}"/>
+              </a:ext>
+            </a:extLst>
+          </p:cNvPr>
+          <p:cNvPicPr>
+            <a:picLocks noGrp="1" noChangeAspect="1"/>
+          </p:cNvPicPr>
+          <p:nvPr>
+            <p:ph idx="1"/>
+          </p:nvPr>
+        </p:nvPicPr>
+        <p:blipFill>
+          <a:blip r:embed="rId2"/>
+          <a:stretch>
+            <a:fillRect/>
+          </a:stretch>
+        </p:blipFill>
+        <p:spPr>
+          <a:xfrm>
+            <a:off x="2799890" y="2404919"/>
+            <a:ext cx="6592220" cy="2048161"/>
+          </a:xfrm>
+          <a:prstGeom prst="rect">
+            <a:avLst/>
+          </a:prstGeom>
+        </p:spPr>
+      </p:pic>
+    </p:spTree>
+    <p:extLst>
+      <p:ext uri="{BB962C8B-B14F-4D97-AF65-F5344CB8AC3E}">
+        <p14:creationId xmlns:p14="http://schemas.microsoft.com/office/powerpoint/2010/main" val="2969273331"/>
+      </p:ext>
+    </p:extLst>
+  </p:cSld>
+  <p:clrMapOvr>
+    <a:masterClrMapping/>
+  </p:clrMapOvr>
+</p:sld>
+</file>
+
+<file path=ppt/slides/slide52.xml><?xml version="1.0" encoding="utf-8"?>
+<p:sld xmlns:a="http://schemas.openxmlformats.org/drawingml/2006/main" xmlns:r="http://schemas.openxmlformats.org/officeDocument/2006/relationships" xmlns:p="http://schemas.openxmlformats.org/presentationml/2006/main">
+  <p:cSld>
+    <p:spTree>
+      <p:nvGrpSpPr>
+        <p:cNvPr id="1" name=""/>
+        <p:cNvGrpSpPr/>
+        <p:nvPr/>
+      </p:nvGrpSpPr>
+      <p:grpSpPr>
+        <a:xfrm>
+          <a:off x="0" y="0"/>
+          <a:ext cx="0" cy="0"/>
+          <a:chOff x="0" y="0"/>
+          <a:chExt cx="0" cy="0"/>
+        </a:xfrm>
+      </p:grpSpPr>
+      <p:sp>
+        <p:nvSpPr>
+          <p:cNvPr id="2" name="Заголовок 1">
+            <a:extLst>
+              <a:ext uri="{FF2B5EF4-FFF2-40B4-BE49-F238E27FC236}">
                 <a16:creationId xmlns:a16="http://schemas.microsoft.com/office/drawing/2014/main" id="{0C27091C-45E5-497F-9545-2FDF0CADC167}"/>
               </a:ext>
             </a:extLst>
@@ -13131,10 +13881,10 @@
       </p:pic>
       <p:pic>
         <p:nvPicPr>
-          <p:cNvPr id="5" name="Рисунок 4">
-            <a:extLst>
-              <a:ext uri="{FF2B5EF4-FFF2-40B4-BE49-F238E27FC236}">
-                <a16:creationId xmlns:a16="http://schemas.microsoft.com/office/drawing/2014/main" id="{8BDBE913-0C96-4C9E-9317-17CA85588769}"/>
+          <p:cNvPr id="3" name="Рисунок 2">
+            <a:extLst>
+              <a:ext uri="{FF2B5EF4-FFF2-40B4-BE49-F238E27FC236}">
+                <a16:creationId xmlns:a16="http://schemas.microsoft.com/office/drawing/2014/main" id="{EC6E5220-35F0-4966-9DDC-4F12E98FE0F3}"/>
               </a:ext>
             </a:extLst>
           </p:cNvPr>
@@ -13151,8 +13901,8 @@
         </p:blipFill>
         <p:spPr>
           <a:xfrm>
-            <a:off x="313518" y="3810629"/>
-            <a:ext cx="11564964" cy="1324160"/>
+            <a:off x="303991" y="3429000"/>
+            <a:ext cx="11584017" cy="1590897"/>
           </a:xfrm>
           <a:prstGeom prst="rect">
             <a:avLst/>
@@ -13172,7 +13922,7 @@
 </p:sld>
 </file>
 
-<file path=ppt/slides/slide45.xml><?xml version="1.0" encoding="utf-8"?>
+<file path=ppt/slides/slide53.xml><?xml version="1.0" encoding="utf-8"?>
 <p:sld xmlns:a="http://schemas.openxmlformats.org/drawingml/2006/main" xmlns:r="http://schemas.openxmlformats.org/officeDocument/2006/relationships" xmlns:p="http://schemas.openxmlformats.org/presentationml/2006/main">
   <p:cSld>
     <p:spTree>
@@ -13262,7 +14012,7 @@
 </p:sld>
 </file>
 
-<file path=ppt/slides/slide46.xml><?xml version="1.0" encoding="utf-8"?>
+<file path=ppt/slides/slide54.xml><?xml version="1.0" encoding="utf-8"?>
 <p:sld xmlns:a="http://schemas.openxmlformats.org/drawingml/2006/main" xmlns:r="http://schemas.openxmlformats.org/officeDocument/2006/relationships" xmlns:p="http://schemas.openxmlformats.org/presentationml/2006/main">
   <p:cSld>
     <p:spTree>
@@ -13281,10 +14031,10 @@
       </p:grpSpPr>
       <p:pic>
         <p:nvPicPr>
-          <p:cNvPr id="4" name="Рисунок 3">
-            <a:extLst>
-              <a:ext uri="{FF2B5EF4-FFF2-40B4-BE49-F238E27FC236}">
-                <a16:creationId xmlns:a16="http://schemas.microsoft.com/office/drawing/2014/main" id="{7C49999F-F60C-4108-B42B-EAF4433540E1}"/>
+          <p:cNvPr id="2" name="Рисунок 1">
+            <a:extLst>
+              <a:ext uri="{FF2B5EF4-FFF2-40B4-BE49-F238E27FC236}">
+                <a16:creationId xmlns:a16="http://schemas.microsoft.com/office/drawing/2014/main" id="{D6146219-AF85-40E6-8D4D-BF285CFAFF39}"/>
               </a:ext>
             </a:extLst>
           </p:cNvPr>
@@ -13301,8 +14051,8 @@
         </p:blipFill>
         <p:spPr>
           <a:xfrm>
-            <a:off x="280176" y="225799"/>
-            <a:ext cx="11631648" cy="2915057"/>
+            <a:off x="937408" y="236852"/>
+            <a:ext cx="10599680" cy="3192148"/>
           </a:xfrm>
           <a:prstGeom prst="rect">
             <a:avLst/>
@@ -13311,10 +14061,10 @@
       </p:pic>
       <p:pic>
         <p:nvPicPr>
-          <p:cNvPr id="5" name="Рисунок 4">
-            <a:extLst>
-              <a:ext uri="{FF2B5EF4-FFF2-40B4-BE49-F238E27FC236}">
-                <a16:creationId xmlns:a16="http://schemas.microsoft.com/office/drawing/2014/main" id="{B9EDD2CD-AB65-4D2B-AB7C-B2C1185E3295}"/>
+          <p:cNvPr id="3" name="Рисунок 2">
+            <a:extLst>
+              <a:ext uri="{FF2B5EF4-FFF2-40B4-BE49-F238E27FC236}">
+                <a16:creationId xmlns:a16="http://schemas.microsoft.com/office/drawing/2014/main" id="{3590CF8D-6165-4E72-85F4-9542B5EA93F8}"/>
               </a:ext>
             </a:extLst>
           </p:cNvPr>
@@ -13331,8 +14081,8 @@
         </p:blipFill>
         <p:spPr>
           <a:xfrm>
-            <a:off x="327807" y="3429000"/>
-            <a:ext cx="11536385" cy="2676899"/>
+            <a:off x="937408" y="3429000"/>
+            <a:ext cx="10599680" cy="2994802"/>
           </a:xfrm>
           <a:prstGeom prst="rect">
             <a:avLst/>
@@ -13352,7 +14102,7 @@
 </p:sld>
 </file>
 
-<file path=ppt/slides/slide47.xml><?xml version="1.0" encoding="utf-8"?>
+<file path=ppt/slides/slide55.xml><?xml version="1.0" encoding="utf-8"?>
 <p:sld xmlns:a="http://schemas.openxmlformats.org/drawingml/2006/main" xmlns:r="http://schemas.openxmlformats.org/officeDocument/2006/relationships" xmlns:p="http://schemas.openxmlformats.org/presentationml/2006/main">
   <p:cSld>
     <p:spTree>
@@ -13371,10 +14121,10 @@
       </p:grpSpPr>
       <p:pic>
         <p:nvPicPr>
-          <p:cNvPr id="5" name="Рисунок 4">
-            <a:extLst>
-              <a:ext uri="{FF2B5EF4-FFF2-40B4-BE49-F238E27FC236}">
-                <a16:creationId xmlns:a16="http://schemas.microsoft.com/office/drawing/2014/main" id="{C8412D0C-EFE1-46DC-903C-82B9035B0979}"/>
+          <p:cNvPr id="3" name="Рисунок 2">
+            <a:extLst>
+              <a:ext uri="{FF2B5EF4-FFF2-40B4-BE49-F238E27FC236}">
+                <a16:creationId xmlns:a16="http://schemas.microsoft.com/office/drawing/2014/main" id="{0B9B571F-7E23-4B8E-8B3D-1B5E390C949C}"/>
               </a:ext>
             </a:extLst>
           </p:cNvPr>
@@ -13391,68 +14141,8 @@
         </p:blipFill>
         <p:spPr>
           <a:xfrm>
-            <a:off x="332570" y="2619262"/>
-            <a:ext cx="11526859" cy="1619476"/>
-          </a:xfrm>
-          <a:prstGeom prst="rect">
-            <a:avLst/>
-          </a:prstGeom>
-        </p:spPr>
-      </p:pic>
-    </p:spTree>
-    <p:extLst>
-      <p:ext uri="{BB962C8B-B14F-4D97-AF65-F5344CB8AC3E}">
-        <p14:creationId xmlns:p14="http://schemas.microsoft.com/office/powerpoint/2010/main" val="2168891739"/>
-      </p:ext>
-    </p:extLst>
-  </p:cSld>
-  <p:clrMapOvr>
-    <a:masterClrMapping/>
-  </p:clrMapOvr>
-</p:sld>
-</file>
-
-<file path=ppt/slides/slide5.xml><?xml version="1.0" encoding="utf-8"?>
-<p:sld xmlns:a="http://schemas.openxmlformats.org/drawingml/2006/main" xmlns:r="http://schemas.openxmlformats.org/officeDocument/2006/relationships" xmlns:p="http://schemas.openxmlformats.org/presentationml/2006/main">
-  <p:cSld>
-    <p:spTree>
-      <p:nvGrpSpPr>
-        <p:cNvPr id="1" name=""/>
-        <p:cNvGrpSpPr/>
-        <p:nvPr/>
-      </p:nvGrpSpPr>
-      <p:grpSpPr>
-        <a:xfrm>
-          <a:off x="0" y="0"/>
-          <a:ext cx="0" cy="0"/>
-          <a:chOff x="0" y="0"/>
-          <a:chExt cx="0" cy="0"/>
-        </a:xfrm>
-      </p:grpSpPr>
-      <p:pic>
-        <p:nvPicPr>
-          <p:cNvPr id="4" name="Рисунок 3">
-            <a:extLst>
-              <a:ext uri="{FF2B5EF4-FFF2-40B4-BE49-F238E27FC236}">
-                <a16:creationId xmlns:a16="http://schemas.microsoft.com/office/drawing/2014/main" id="{374111FB-5505-43CF-AB48-605AB583E460}"/>
-              </a:ext>
-            </a:extLst>
-          </p:cNvPr>
-          <p:cNvPicPr>
-            <a:picLocks noChangeAspect="1"/>
-          </p:cNvPicPr>
-          <p:nvPr/>
-        </p:nvPicPr>
-        <p:blipFill>
-          <a:blip r:embed="rId2"/>
-          <a:stretch>
-            <a:fillRect/>
-          </a:stretch>
-        </p:blipFill>
-        <p:spPr>
-          <a:xfrm>
-            <a:off x="779486" y="2330371"/>
-            <a:ext cx="4061352" cy="2197255"/>
+            <a:off x="318281" y="289003"/>
+            <a:ext cx="11555438" cy="3010320"/>
           </a:xfrm>
           <a:prstGeom prst="rect">
             <a:avLst/>
@@ -13461,10 +14151,10 @@
       </p:pic>
       <p:pic>
         <p:nvPicPr>
-          <p:cNvPr id="5" name="Рисунок 4">
-            <a:extLst>
-              <a:ext uri="{FF2B5EF4-FFF2-40B4-BE49-F238E27FC236}">
-                <a16:creationId xmlns:a16="http://schemas.microsoft.com/office/drawing/2014/main" id="{D2CDC1BF-2A40-437E-9D09-8C163C173B6E}"/>
+          <p:cNvPr id="4" name="Рисунок 3">
+            <a:extLst>
+              <a:ext uri="{FF2B5EF4-FFF2-40B4-BE49-F238E27FC236}">
+                <a16:creationId xmlns:a16="http://schemas.microsoft.com/office/drawing/2014/main" id="{5918A48A-59D1-42FA-A71C-8565C59F0061}"/>
               </a:ext>
             </a:extLst>
           </p:cNvPr>
@@ -13481,36 +14171,8 @@
         </p:blipFill>
         <p:spPr>
           <a:xfrm>
-            <a:off x="5062393" y="2885998"/>
-            <a:ext cx="2067213" cy="1086002"/>
-          </a:xfrm>
-          <a:prstGeom prst="rect">
-            <a:avLst/>
-          </a:prstGeom>
-        </p:spPr>
-      </p:pic>
-      <p:pic>
-        <p:nvPicPr>
-          <p:cNvPr id="6" name="Рисунок 5">
-            <a:extLst>
-              <a:ext uri="{FF2B5EF4-FFF2-40B4-BE49-F238E27FC236}">
-                <a16:creationId xmlns:a16="http://schemas.microsoft.com/office/drawing/2014/main" id="{059C8021-FFF7-4E51-86B8-117C2C2D7A8E}"/>
-              </a:ext>
-            </a:extLst>
-          </p:cNvPr>
-          <p:cNvPicPr/>
-          <p:nvPr/>
-        </p:nvPicPr>
-        <p:blipFill>
-          <a:blip r:embed="rId4"/>
-          <a:stretch>
-            <a:fillRect/>
-          </a:stretch>
-        </p:blipFill>
-        <p:spPr>
-          <a:xfrm>
-            <a:off x="7351161" y="509697"/>
-            <a:ext cx="3470493" cy="5838605"/>
+            <a:off x="384965" y="3636503"/>
+            <a:ext cx="11422069" cy="2448267"/>
           </a:xfrm>
           <a:prstGeom prst="rect">
             <a:avLst/>
@@ -13520,7 +14182,7 @@
     </p:spTree>
     <p:extLst>
       <p:ext uri="{BB962C8B-B14F-4D97-AF65-F5344CB8AC3E}">
-        <p14:creationId xmlns:p14="http://schemas.microsoft.com/office/powerpoint/2010/main" val="458561118"/>
+        <p14:creationId xmlns:p14="http://schemas.microsoft.com/office/powerpoint/2010/main" val="2168891739"/>
       </p:ext>
     </p:extLst>
   </p:cSld>
